--- a/cotizaciones/cotización_Conda Activate Myenv.pptx
+++ b/cotizaciones/cotización_Conda Activate Myenv.pptx
@@ -3058,7 +3058,7 @@
               <a:defRPr sz="1400" b="0"/>
             </a:pPr>
             <a:r>
-              <a:t>15 septiembre de 2021</a:t>
+              <a:t>16 septiembre de 2021</a:t>
             </a:r>
           </a:p>
           <a:p>
@@ -3069,7 +3069,7 @@
               <a:defRPr sz="1400" b="0"/>
             </a:pPr>
             <a:r>
-              <a:t>Cot N°305</a:t>
+              <a:t>Cot N°331</a:t>
             </a:r>
           </a:p>
           <a:p>
